--- a/doc/cinema-management-software.pptx
+++ b/doc/cinema-management-software.pptx
@@ -203,7 +203,7 @@
           <a:p>
             <a:fld id="{A6448144-56D1-49CD-A467-F08522B86AF7}" type="datetimeFigureOut">
               <a:rPr lang="de-DE" smtClean="0"/>
-              <a:t>10.03.2025</a:t>
+              <a:t>11.03.2025</a:t>
             </a:fld>
             <a:endParaRPr lang="de-DE"/>
           </a:p>
@@ -470,6 +470,458 @@
 </p:notesMaster>
 </file>
 
+<file path=ppt/notesSlides/notesSlide1.xml><?xml version="1.0" encoding="utf-8"?>
+<p:notes xmlns:a="http://schemas.openxmlformats.org/drawingml/2006/main" xmlns:r="http://schemas.openxmlformats.org/officeDocument/2006/relationships" xmlns:p="http://schemas.openxmlformats.org/presentationml/2006/main">
+  <p:cSld>
+    <p:spTree>
+      <p:nvGrpSpPr>
+        <p:cNvPr id="1" name=""/>
+        <p:cNvGrpSpPr/>
+        <p:nvPr/>
+      </p:nvGrpSpPr>
+      <p:grpSpPr>
+        <a:xfrm>
+          <a:off x="0" y="0"/>
+          <a:ext cx="0" cy="0"/>
+          <a:chOff x="0" y="0"/>
+          <a:chExt cx="0" cy="0"/>
+        </a:xfrm>
+      </p:grpSpPr>
+      <p:sp>
+        <p:nvSpPr>
+          <p:cNvPr id="2" name="Folienbildplatzhalter 1"/>
+          <p:cNvSpPr>
+            <a:spLocks noGrp="1" noRot="1" noChangeAspect="1"/>
+          </p:cNvSpPr>
+          <p:nvPr>
+            <p:ph type="sldImg"/>
+          </p:nvPr>
+        </p:nvSpPr>
+        <p:spPr/>
+      </p:sp>
+      <p:sp>
+        <p:nvSpPr>
+          <p:cNvPr id="3" name="Notizenplatzhalter 2"/>
+          <p:cNvSpPr>
+            <a:spLocks noGrp="1"/>
+          </p:cNvSpPr>
+          <p:nvPr>
+            <p:ph type="body" idx="1"/>
+          </p:nvPr>
+        </p:nvSpPr>
+        <p:spPr/>
+        <p:txBody>
+          <a:bodyPr/>
+          <a:lstStyle/>
+          <a:p>
+            <a:r>
+              <a:rPr lang="de-DE" dirty="0"/>
+              <a:t>Anfragen an Neo4j später zeigen im Code</a:t>
+            </a:r>
+          </a:p>
+        </p:txBody>
+      </p:sp>
+      <p:sp>
+        <p:nvSpPr>
+          <p:cNvPr id="4" name="Foliennummernplatzhalter 3"/>
+          <p:cNvSpPr>
+            <a:spLocks noGrp="1"/>
+          </p:cNvSpPr>
+          <p:nvPr>
+            <p:ph type="sldNum" sz="quarter" idx="5"/>
+          </p:nvPr>
+        </p:nvSpPr>
+        <p:spPr/>
+        <p:txBody>
+          <a:bodyPr/>
+          <a:lstStyle/>
+          <a:p>
+            <a:fld id="{05401A17-4B9B-4FFB-A57D-42B6C7841E2E}" type="slidenum">
+              <a:rPr lang="de-DE" smtClean="0"/>
+              <a:t>3</a:t>
+            </a:fld>
+            <a:endParaRPr lang="de-DE"/>
+          </a:p>
+        </p:txBody>
+      </p:sp>
+    </p:spTree>
+    <p:extLst>
+      <p:ext uri="{BB962C8B-B14F-4D97-AF65-F5344CB8AC3E}">
+        <p14:creationId xmlns:p14="http://schemas.microsoft.com/office/powerpoint/2010/main" val="2627220837"/>
+      </p:ext>
+    </p:extLst>
+  </p:cSld>
+  <p:clrMapOvr>
+    <a:masterClrMapping/>
+  </p:clrMapOvr>
+</p:notes>
+</file>
+
+<file path=ppt/notesSlides/notesSlide2.xml><?xml version="1.0" encoding="utf-8"?>
+<p:notes xmlns:a="http://schemas.openxmlformats.org/drawingml/2006/main" xmlns:r="http://schemas.openxmlformats.org/officeDocument/2006/relationships" xmlns:p="http://schemas.openxmlformats.org/presentationml/2006/main">
+  <p:cSld>
+    <p:spTree>
+      <p:nvGrpSpPr>
+        <p:cNvPr id="1" name=""/>
+        <p:cNvGrpSpPr/>
+        <p:nvPr/>
+      </p:nvGrpSpPr>
+      <p:grpSpPr>
+        <a:xfrm>
+          <a:off x="0" y="0"/>
+          <a:ext cx="0" cy="0"/>
+          <a:chOff x="0" y="0"/>
+          <a:chExt cx="0" cy="0"/>
+        </a:xfrm>
+      </p:grpSpPr>
+      <p:sp>
+        <p:nvSpPr>
+          <p:cNvPr id="2" name="Folienbildplatzhalter 1"/>
+          <p:cNvSpPr>
+            <a:spLocks noGrp="1" noRot="1" noChangeAspect="1"/>
+          </p:cNvSpPr>
+          <p:nvPr>
+            <p:ph type="sldImg"/>
+          </p:nvPr>
+        </p:nvSpPr>
+        <p:spPr/>
+      </p:sp>
+      <p:sp>
+        <p:nvSpPr>
+          <p:cNvPr id="3" name="Notizenplatzhalter 2"/>
+          <p:cNvSpPr>
+            <a:spLocks noGrp="1"/>
+          </p:cNvSpPr>
+          <p:nvPr>
+            <p:ph type="body" idx="1"/>
+          </p:nvPr>
+        </p:nvSpPr>
+        <p:spPr/>
+        <p:txBody>
+          <a:bodyPr/>
+          <a:lstStyle/>
+          <a:p>
+            <a:pPr marL="171450" indent="-171450">
+              <a:buFontTx/>
+              <a:buChar char="-"/>
+            </a:pPr>
+            <a:r>
+              <a:rPr lang="de-DE" dirty="0"/>
+              <a:t>Über Message Broker </a:t>
+            </a:r>
+            <a:r>
+              <a:rPr lang="de-DE" dirty="0" err="1"/>
+              <a:t>RabbitMQ</a:t>
+            </a:r>
+            <a:r>
+              <a:rPr lang="de-DE" dirty="0"/>
+              <a:t> kommunizieren</a:t>
+            </a:r>
+          </a:p>
+          <a:p>
+            <a:pPr marL="171450" indent="-171450">
+              <a:buFontTx/>
+              <a:buChar char="-"/>
+            </a:pPr>
+            <a:r>
+              <a:rPr lang="de-DE" dirty="0"/>
+              <a:t>Framework als Basis für Services</a:t>
+            </a:r>
+          </a:p>
+          <a:p>
+            <a:pPr marL="171450" indent="-171450">
+              <a:buFontTx/>
+              <a:buChar char="-"/>
+            </a:pPr>
+            <a:r>
+              <a:rPr lang="de-DE" dirty="0"/>
+              <a:t>Zur Kommunikation</a:t>
+            </a:r>
+          </a:p>
+          <a:p>
+            <a:pPr marL="171450" indent="-171450">
+              <a:buFontTx/>
+              <a:buChar char="-"/>
+            </a:pPr>
+            <a:r>
+              <a:rPr lang="de-DE" dirty="0"/>
+              <a:t>Kommunikation zwischen Client und </a:t>
+            </a:r>
+            <a:r>
+              <a:rPr lang="de-DE" dirty="0" err="1"/>
+              <a:t>ApplicationService</a:t>
+            </a:r>
+            <a:endParaRPr lang="de-DE" dirty="0"/>
+          </a:p>
+          <a:p>
+            <a:pPr marL="171450" indent="-171450">
+              <a:buFontTx/>
+              <a:buChar char="-"/>
+            </a:pPr>
+            <a:r>
+              <a:rPr lang="de-DE" dirty="0"/>
+              <a:t>Frontend Framework für den Client</a:t>
+            </a:r>
+          </a:p>
+          <a:p>
+            <a:pPr marL="171450" indent="-171450">
+              <a:buFontTx/>
+              <a:buChar char="-"/>
+            </a:pPr>
+            <a:r>
+              <a:rPr lang="de-DE" dirty="0"/>
+              <a:t>Speicherung von Kino-, Film- und Buchungsdaten</a:t>
+            </a:r>
+          </a:p>
+          <a:p>
+            <a:pPr marL="171450" indent="-171450">
+              <a:buFontTx/>
+              <a:buChar char="-"/>
+            </a:pPr>
+            <a:r>
+              <a:rPr lang="de-DE" dirty="0"/>
+              <a:t>Aggregierte Kinostatistiken für Einnahmen, Auslastung und Trends (Asynchron mit Events aus </a:t>
+            </a:r>
+            <a:r>
+              <a:rPr lang="de-DE" dirty="0" err="1"/>
+              <a:t>RabbitMQ</a:t>
+            </a:r>
+            <a:r>
+              <a:rPr lang="de-DE" dirty="0"/>
+              <a:t>)</a:t>
+            </a:r>
+          </a:p>
+        </p:txBody>
+      </p:sp>
+      <p:sp>
+        <p:nvSpPr>
+          <p:cNvPr id="4" name="Foliennummernplatzhalter 3"/>
+          <p:cNvSpPr>
+            <a:spLocks noGrp="1"/>
+          </p:cNvSpPr>
+          <p:nvPr>
+            <p:ph type="sldNum" sz="quarter" idx="5"/>
+          </p:nvPr>
+        </p:nvSpPr>
+        <p:spPr/>
+        <p:txBody>
+          <a:bodyPr/>
+          <a:lstStyle/>
+          <a:p>
+            <a:fld id="{05401A17-4B9B-4FFB-A57D-42B6C7841E2E}" type="slidenum">
+              <a:rPr lang="de-DE" smtClean="0"/>
+              <a:t>4</a:t>
+            </a:fld>
+            <a:endParaRPr lang="de-DE"/>
+          </a:p>
+        </p:txBody>
+      </p:sp>
+    </p:spTree>
+    <p:extLst>
+      <p:ext uri="{BB962C8B-B14F-4D97-AF65-F5344CB8AC3E}">
+        <p14:creationId xmlns:p14="http://schemas.microsoft.com/office/powerpoint/2010/main" val="1774051593"/>
+      </p:ext>
+    </p:extLst>
+  </p:cSld>
+  <p:clrMapOvr>
+    <a:masterClrMapping/>
+  </p:clrMapOvr>
+</p:notes>
+</file>
+
+<file path=ppt/notesSlides/notesSlide3.xml><?xml version="1.0" encoding="utf-8"?>
+<p:notes xmlns:a="http://schemas.openxmlformats.org/drawingml/2006/main" xmlns:r="http://schemas.openxmlformats.org/officeDocument/2006/relationships" xmlns:p="http://schemas.openxmlformats.org/presentationml/2006/main">
+  <p:cSld>
+    <p:spTree>
+      <p:nvGrpSpPr>
+        <p:cNvPr id="1" name=""/>
+        <p:cNvGrpSpPr/>
+        <p:nvPr/>
+      </p:nvGrpSpPr>
+      <p:grpSpPr>
+        <a:xfrm>
+          <a:off x="0" y="0"/>
+          <a:ext cx="0" cy="0"/>
+          <a:chOff x="0" y="0"/>
+          <a:chExt cx="0" cy="0"/>
+        </a:xfrm>
+      </p:grpSpPr>
+      <p:sp>
+        <p:nvSpPr>
+          <p:cNvPr id="2" name="Folienbildplatzhalter 1"/>
+          <p:cNvSpPr>
+            <a:spLocks noGrp="1" noRot="1" noChangeAspect="1"/>
+          </p:cNvSpPr>
+          <p:nvPr>
+            <p:ph type="sldImg"/>
+          </p:nvPr>
+        </p:nvSpPr>
+        <p:spPr/>
+      </p:sp>
+      <p:sp>
+        <p:nvSpPr>
+          <p:cNvPr id="3" name="Notizenplatzhalter 2"/>
+          <p:cNvSpPr>
+            <a:spLocks noGrp="1"/>
+          </p:cNvSpPr>
+          <p:nvPr>
+            <p:ph type="body" idx="1"/>
+          </p:nvPr>
+        </p:nvSpPr>
+        <p:spPr/>
+        <p:txBody>
+          <a:bodyPr/>
+          <a:lstStyle/>
+          <a:p>
+            <a:r>
+              <a:rPr lang="de-DE" dirty="0"/>
+              <a:t>UML </a:t>
+            </a:r>
+            <a:r>
+              <a:rPr lang="de-DE" dirty="0" err="1"/>
+              <a:t>ECore</a:t>
+            </a:r>
+            <a:r>
+              <a:rPr lang="de-DE" dirty="0"/>
+              <a:t> in der Demo zeigen</a:t>
+            </a:r>
+          </a:p>
+        </p:txBody>
+      </p:sp>
+      <p:sp>
+        <p:nvSpPr>
+          <p:cNvPr id="4" name="Foliennummernplatzhalter 3"/>
+          <p:cNvSpPr>
+            <a:spLocks noGrp="1"/>
+          </p:cNvSpPr>
+          <p:nvPr>
+            <p:ph type="sldNum" sz="quarter" idx="5"/>
+          </p:nvPr>
+        </p:nvSpPr>
+        <p:spPr/>
+        <p:txBody>
+          <a:bodyPr/>
+          <a:lstStyle/>
+          <a:p>
+            <a:fld id="{05401A17-4B9B-4FFB-A57D-42B6C7841E2E}" type="slidenum">
+              <a:rPr lang="de-DE" smtClean="0"/>
+              <a:t>5</a:t>
+            </a:fld>
+            <a:endParaRPr lang="de-DE"/>
+          </a:p>
+        </p:txBody>
+      </p:sp>
+    </p:spTree>
+    <p:extLst>
+      <p:ext uri="{BB962C8B-B14F-4D97-AF65-F5344CB8AC3E}">
+        <p14:creationId xmlns:p14="http://schemas.microsoft.com/office/powerpoint/2010/main" val="3951245694"/>
+      </p:ext>
+    </p:extLst>
+  </p:cSld>
+  <p:clrMapOvr>
+    <a:masterClrMapping/>
+  </p:clrMapOvr>
+</p:notes>
+</file>
+
+<file path=ppt/notesSlides/notesSlide4.xml><?xml version="1.0" encoding="utf-8"?>
+<p:notes xmlns:a="http://schemas.openxmlformats.org/drawingml/2006/main" xmlns:r="http://schemas.openxmlformats.org/officeDocument/2006/relationships" xmlns:p="http://schemas.openxmlformats.org/presentationml/2006/main">
+  <p:cSld>
+    <p:spTree>
+      <p:nvGrpSpPr>
+        <p:cNvPr id="1" name=""/>
+        <p:cNvGrpSpPr/>
+        <p:nvPr/>
+      </p:nvGrpSpPr>
+      <p:grpSpPr>
+        <a:xfrm>
+          <a:off x="0" y="0"/>
+          <a:ext cx="0" cy="0"/>
+          <a:chOff x="0" y="0"/>
+          <a:chExt cx="0" cy="0"/>
+        </a:xfrm>
+      </p:grpSpPr>
+      <p:sp>
+        <p:nvSpPr>
+          <p:cNvPr id="2" name="Folienbildplatzhalter 1"/>
+          <p:cNvSpPr>
+            <a:spLocks noGrp="1" noRot="1" noChangeAspect="1"/>
+          </p:cNvSpPr>
+          <p:nvPr>
+            <p:ph type="sldImg"/>
+          </p:nvPr>
+        </p:nvSpPr>
+        <p:spPr/>
+      </p:sp>
+      <p:sp>
+        <p:nvSpPr>
+          <p:cNvPr id="3" name="Notizenplatzhalter 2"/>
+          <p:cNvSpPr>
+            <a:spLocks noGrp="1"/>
+          </p:cNvSpPr>
+          <p:nvPr>
+            <p:ph type="body" idx="1"/>
+          </p:nvPr>
+        </p:nvSpPr>
+        <p:spPr/>
+        <p:txBody>
+          <a:bodyPr/>
+          <a:lstStyle/>
+          <a:p>
+            <a:r>
+              <a:rPr lang="de-DE" dirty="0"/>
+              <a:t>Demo zu:</a:t>
+            </a:r>
+          </a:p>
+          <a:p>
+            <a:r>
+              <a:rPr lang="de-DE" dirty="0"/>
+              <a:t>Frontend, Backend, Neo4j, UML von </a:t>
+            </a:r>
+            <a:r>
+              <a:rPr lang="de-DE" dirty="0" err="1"/>
+              <a:t>ECore</a:t>
+            </a:r>
+            <a:endParaRPr lang="de-DE" dirty="0"/>
+          </a:p>
+        </p:txBody>
+      </p:sp>
+      <p:sp>
+        <p:nvSpPr>
+          <p:cNvPr id="4" name="Foliennummernplatzhalter 3"/>
+          <p:cNvSpPr>
+            <a:spLocks noGrp="1"/>
+          </p:cNvSpPr>
+          <p:nvPr>
+            <p:ph type="sldNum" sz="quarter" idx="5"/>
+          </p:nvPr>
+        </p:nvSpPr>
+        <p:spPr/>
+        <p:txBody>
+          <a:bodyPr/>
+          <a:lstStyle/>
+          <a:p>
+            <a:fld id="{05401A17-4B9B-4FFB-A57D-42B6C7841E2E}" type="slidenum">
+              <a:rPr lang="de-DE" smtClean="0"/>
+              <a:t>7</a:t>
+            </a:fld>
+            <a:endParaRPr lang="de-DE"/>
+          </a:p>
+        </p:txBody>
+      </p:sp>
+    </p:spTree>
+    <p:extLst>
+      <p:ext uri="{BB962C8B-B14F-4D97-AF65-F5344CB8AC3E}">
+        <p14:creationId xmlns:p14="http://schemas.microsoft.com/office/powerpoint/2010/main" val="3915487121"/>
+      </p:ext>
+    </p:extLst>
+  </p:cSld>
+  <p:clrMapOvr>
+    <a:masterClrMapping/>
+  </p:clrMapOvr>
+</p:notes>
+</file>
+
 <file path=ppt/slideLayouts/slideLayout1.xml><?xml version="1.0" encoding="utf-8"?>
 <p:sldLayout xmlns:a="http://schemas.openxmlformats.org/drawingml/2006/main" xmlns:r="http://schemas.openxmlformats.org/officeDocument/2006/relationships" xmlns:p="http://schemas.openxmlformats.org/presentationml/2006/main" type="title" preserve="1">
   <p:cSld name="Titelfolie">
@@ -617,7 +1069,7 @@
           <a:p>
             <a:fld id="{1232EAFD-C9AB-460A-8992-EE26AE12B952}" type="datetime1">
               <a:rPr lang="de-DE" smtClean="0"/>
-              <a:t>10.03.2025</a:t>
+              <a:t>11.03.2025</a:t>
             </a:fld>
             <a:endParaRPr lang="de-DE"/>
           </a:p>
@@ -815,7 +1267,7 @@
           <a:p>
             <a:fld id="{CB075501-90CD-4FAF-9370-4DCE63C23CDE}" type="datetime1">
               <a:rPr lang="de-DE" smtClean="0"/>
-              <a:t>10.03.2025</a:t>
+              <a:t>11.03.2025</a:t>
             </a:fld>
             <a:endParaRPr lang="de-DE"/>
           </a:p>
@@ -1023,7 +1475,7 @@
           <a:p>
             <a:fld id="{A01214DE-975C-4E01-89FF-5DFB7B701B61}" type="datetime1">
               <a:rPr lang="de-DE" smtClean="0"/>
-              <a:t>10.03.2025</a:t>
+              <a:t>11.03.2025</a:t>
             </a:fld>
             <a:endParaRPr lang="de-DE"/>
           </a:p>
@@ -1221,7 +1673,7 @@
           <a:p>
             <a:fld id="{3FFBC837-A0EB-4DFF-80A8-36F2B689365E}" type="datetime1">
               <a:rPr lang="de-DE" smtClean="0"/>
-              <a:t>10.03.2025</a:t>
+              <a:t>11.03.2025</a:t>
             </a:fld>
             <a:endParaRPr lang="de-DE"/>
           </a:p>
@@ -1496,7 +1948,7 @@
           <a:p>
             <a:fld id="{21E83523-0E54-4178-850C-F0C864CC84A2}" type="datetime1">
               <a:rPr lang="de-DE" smtClean="0"/>
-              <a:t>10.03.2025</a:t>
+              <a:t>11.03.2025</a:t>
             </a:fld>
             <a:endParaRPr lang="de-DE"/>
           </a:p>
@@ -1761,7 +2213,7 @@
           <a:p>
             <a:fld id="{26399351-DC80-4778-84F2-FB4829239114}" type="datetime1">
               <a:rPr lang="de-DE" smtClean="0"/>
-              <a:t>10.03.2025</a:t>
+              <a:t>11.03.2025</a:t>
             </a:fld>
             <a:endParaRPr lang="de-DE"/>
           </a:p>
@@ -2173,7 +2625,7 @@
           <a:p>
             <a:fld id="{0921AB26-FCCF-478F-85CD-2F8D46741BA8}" type="datetime1">
               <a:rPr lang="de-DE" smtClean="0"/>
-              <a:t>10.03.2025</a:t>
+              <a:t>11.03.2025</a:t>
             </a:fld>
             <a:endParaRPr lang="de-DE"/>
           </a:p>
@@ -2314,7 +2766,7 @@
           <a:p>
             <a:fld id="{68E60381-5763-4F65-ADA4-E4E5EF8497D2}" type="datetime1">
               <a:rPr lang="de-DE" smtClean="0"/>
-              <a:t>10.03.2025</a:t>
+              <a:t>11.03.2025</a:t>
             </a:fld>
             <a:endParaRPr lang="de-DE"/>
           </a:p>
@@ -2427,7 +2879,7 @@
           <a:p>
             <a:fld id="{88FCFBAD-46A4-492B-9F92-E248F289AE94}" type="datetime1">
               <a:rPr lang="de-DE" smtClean="0"/>
-              <a:t>10.03.2025</a:t>
+              <a:t>11.03.2025</a:t>
             </a:fld>
             <a:endParaRPr lang="de-DE"/>
           </a:p>
@@ -2738,7 +3190,7 @@
           <a:p>
             <a:fld id="{EB128136-CB02-49E6-800D-D255BE0B56D1}" type="datetime1">
               <a:rPr lang="de-DE" smtClean="0"/>
-              <a:t>10.03.2025</a:t>
+              <a:t>11.03.2025</a:t>
             </a:fld>
             <a:endParaRPr lang="de-DE"/>
           </a:p>
@@ -3026,7 +3478,7 @@
           <a:p>
             <a:fld id="{5AEB536A-2E4D-448E-8F14-62CD5B3C50ED}" type="datetime1">
               <a:rPr lang="de-DE" smtClean="0"/>
-              <a:t>10.03.2025</a:t>
+              <a:t>11.03.2025</a:t>
             </a:fld>
             <a:endParaRPr lang="de-DE"/>
           </a:p>
@@ -3270,7 +3722,7 @@
           <a:p>
             <a:fld id="{CC2D6B0D-268E-43AA-811C-A227BCD80331}" type="datetime1">
               <a:rPr lang="de-DE" smtClean="0"/>
-              <a:t>10.03.2025</a:t>
+              <a:t>11.03.2025</a:t>
             </a:fld>
             <a:endParaRPr lang="de-DE"/>
           </a:p>
@@ -5032,30 +5484,27 @@
           <a:lstStyle/>
           <a:p>
             <a:r>
-              <a:rPr lang="de-DE" sz="2400"/>
+              <a:rPr lang="de-DE" sz="2400" dirty="0"/>
               <a:t>Andere NoSQL Datenbank = Neo4j</a:t>
             </a:r>
           </a:p>
           <a:p>
             <a:r>
-              <a:rPr lang="de-DE" sz="2400"/>
+              <a:rPr lang="de-DE" sz="2400" dirty="0"/>
               <a:t>Graphen Datenbank</a:t>
             </a:r>
           </a:p>
           <a:p>
             <a:r>
-              <a:rPr lang="de-DE" sz="2400"/>
-              <a:t>Hier Beispiel einfügen, wie das ganze aussieht</a:t>
-            </a:r>
-          </a:p>
-          <a:p>
-            <a:r>
-              <a:rPr lang="de-DE" sz="2400"/>
-              <a:t>Erklärung wie wir das eingebunden haben</a:t>
-            </a:r>
-          </a:p>
-          <a:p>
-            <a:endParaRPr lang="de-DE" sz="2400"/>
+              <a:rPr lang="de-DE" sz="2400" dirty="0"/>
+              <a:t>Live Demo</a:t>
+            </a:r>
+          </a:p>
+          <a:p>
+            <a:endParaRPr lang="de-DE" sz="2400" dirty="0"/>
+          </a:p>
+          <a:p>
+            <a:endParaRPr lang="de-DE" sz="2400" dirty="0"/>
           </a:p>
         </p:txBody>
       </p:sp>
@@ -5609,7 +6058,43 @@
           <a:p>
             <a:r>
               <a:rPr lang="de-DE" sz="1800" dirty="0"/>
-              <a:t>Welche Infos könnten hier rein???</a:t>
+              <a:t>Unabhängige Microservices</a:t>
+            </a:r>
+          </a:p>
+          <a:p>
+            <a:r>
+              <a:rPr lang="de-DE" sz="1800" dirty="0"/>
+              <a:t>Spring Boot</a:t>
+            </a:r>
+          </a:p>
+          <a:p>
+            <a:r>
+              <a:rPr lang="de-DE" sz="1800" dirty="0"/>
+              <a:t>Message Queues</a:t>
+            </a:r>
+          </a:p>
+          <a:p>
+            <a:r>
+              <a:rPr lang="de-DE" sz="1800" dirty="0"/>
+              <a:t>REST API</a:t>
+            </a:r>
+          </a:p>
+          <a:p>
+            <a:r>
+              <a:rPr lang="de-DE" sz="1800" dirty="0"/>
+              <a:t>React</a:t>
+            </a:r>
+          </a:p>
+          <a:p>
+            <a:r>
+              <a:rPr lang="de-DE" sz="1800" dirty="0"/>
+              <a:t>MySQL Datenbank</a:t>
+            </a:r>
+          </a:p>
+          <a:p>
+            <a:r>
+              <a:rPr lang="de-DE" sz="1800" dirty="0"/>
+              <a:t>Neo4j Datenbank</a:t>
             </a:r>
           </a:p>
         </p:txBody>
@@ -5699,7 +6184,7 @@
           <p:nvPr/>
         </p:nvPicPr>
         <p:blipFill>
-          <a:blip r:embed="rId2"/>
+          <a:blip r:embed="rId3"/>
           <a:stretch>
             <a:fillRect/>
           </a:stretch>
@@ -5877,12 +6362,41 @@
           <a:chExt cx="0" cy="0"/>
         </a:xfrm>
       </p:grpSpPr>
+      <p:sp>
+        <p:nvSpPr>
+          <p:cNvPr id="4" name="Foliennummernplatzhalter 3">
+            <a:extLst>
+              <a:ext uri="{FF2B5EF4-FFF2-40B4-BE49-F238E27FC236}">
+                <a16:creationId xmlns:a16="http://schemas.microsoft.com/office/drawing/2014/main" id="{C9F0E8C4-7394-D762-16AC-2AF1729D33CC}"/>
+              </a:ext>
+            </a:extLst>
+          </p:cNvPr>
+          <p:cNvSpPr>
+            <a:spLocks noGrp="1"/>
+          </p:cNvSpPr>
+          <p:nvPr>
+            <p:ph type="sldNum" sz="quarter" idx="12"/>
+          </p:nvPr>
+        </p:nvSpPr>
+        <p:spPr/>
+        <p:txBody>
+          <a:bodyPr/>
+          <a:lstStyle/>
+          <a:p>
+            <a:fld id="{4AB5FF89-F362-42AA-B568-9C43E57664DD}" type="slidenum">
+              <a:rPr lang="de-DE" smtClean="0"/>
+              <a:t>5</a:t>
+            </a:fld>
+            <a:endParaRPr lang="de-DE"/>
+          </a:p>
+        </p:txBody>
+      </p:sp>
       <p:pic>
         <p:nvPicPr>
-          <p:cNvPr id="6" name="Inhaltsplatzhalter 5" descr="Ein Bild, das Text, Diagramm, Plan, parallel enthält.&#10;&#10;KI-generierte Inhalte können fehlerhaft sein.">
-            <a:extLst>
-              <a:ext uri="{FF2B5EF4-FFF2-40B4-BE49-F238E27FC236}">
-                <a16:creationId xmlns:a16="http://schemas.microsoft.com/office/drawing/2014/main" id="{F04F0595-FF99-EA73-38F5-6F0EAAF258AD}"/>
+          <p:cNvPr id="7" name="Inhaltsplatzhalter 6" descr="Ein Bild, das Text, Diagramm, Plan, parallel enthält.&#10;&#10;KI-generierte Inhalte können fehlerhaft sein.">
+            <a:extLst>
+              <a:ext uri="{FF2B5EF4-FFF2-40B4-BE49-F238E27FC236}">
+                <a16:creationId xmlns:a16="http://schemas.microsoft.com/office/drawing/2014/main" id="{E17A9778-8B2C-DD4D-DF57-22A7929C2345}"/>
               </a:ext>
             </a:extLst>
           </p:cNvPr>
@@ -5894,7 +6408,7 @@
           </p:nvPr>
         </p:nvPicPr>
         <p:blipFill>
-          <a:blip r:embed="rId2">
+          <a:blip r:embed="rId3">
             <a:extLst>
               <a:ext uri="{28A0092B-C50C-407E-A947-70E740481C1C}">
                 <a14:useLocalDpi xmlns:a14="http://schemas.microsoft.com/office/drawing/2010/main" val="0"/>
@@ -5907,42 +6421,13 @@
         </p:blipFill>
         <p:spPr>
           <a:xfrm>
-            <a:off x="1809750" y="104325"/>
-            <a:ext cx="8420100" cy="6649350"/>
+            <a:off x="1114425" y="67346"/>
+            <a:ext cx="8572500" cy="6769700"/>
           </a:xfrm>
         </p:spPr>
       </p:pic>
       <p:sp>
         <p:nvSpPr>
-          <p:cNvPr id="4" name="Foliennummernplatzhalter 3">
-            <a:extLst>
-              <a:ext uri="{FF2B5EF4-FFF2-40B4-BE49-F238E27FC236}">
-                <a16:creationId xmlns:a16="http://schemas.microsoft.com/office/drawing/2014/main" id="{C9F0E8C4-7394-D762-16AC-2AF1729D33CC}"/>
-              </a:ext>
-            </a:extLst>
-          </p:cNvPr>
-          <p:cNvSpPr>
-            <a:spLocks noGrp="1"/>
-          </p:cNvSpPr>
-          <p:nvPr>
-            <p:ph type="sldNum" sz="quarter" idx="12"/>
-          </p:nvPr>
-        </p:nvSpPr>
-        <p:spPr/>
-        <p:txBody>
-          <a:bodyPr/>
-          <a:lstStyle/>
-          <a:p>
-            <a:fld id="{4AB5FF89-F362-42AA-B568-9C43E57664DD}" type="slidenum">
-              <a:rPr lang="de-DE" smtClean="0"/>
-              <a:t>5</a:t>
-            </a:fld>
-            <a:endParaRPr lang="de-DE"/>
-          </a:p>
-        </p:txBody>
-      </p:sp>
-      <p:sp>
-        <p:nvSpPr>
           <p:cNvPr id="9" name="Textfeld 8">
             <a:extLst>
               <a:ext uri="{FF2B5EF4-FFF2-40B4-BE49-F238E27FC236}">
@@ -5955,7 +6440,7 @@
         </p:nvSpPr>
         <p:spPr>
           <a:xfrm>
-            <a:off x="6096000" y="5987018"/>
+            <a:off x="5676673" y="5987018"/>
             <a:ext cx="4305527" cy="369332"/>
           </a:xfrm>
           <a:prstGeom prst="rect">
@@ -6008,67 +6493,6 @@
       </p:grpSpPr>
       <p:sp>
         <p:nvSpPr>
-          <p:cNvPr id="2" name="Titel 1">
-            <a:extLst>
-              <a:ext uri="{FF2B5EF4-FFF2-40B4-BE49-F238E27FC236}">
-                <a16:creationId xmlns:a16="http://schemas.microsoft.com/office/drawing/2014/main" id="{CB175027-6E6D-A293-64F4-E7B994BDED71}"/>
-              </a:ext>
-            </a:extLst>
-          </p:cNvPr>
-          <p:cNvSpPr>
-            <a:spLocks noGrp="1"/>
-          </p:cNvSpPr>
-          <p:nvPr>
-            <p:ph type="title"/>
-          </p:nvPr>
-        </p:nvSpPr>
-        <p:spPr/>
-        <p:txBody>
-          <a:bodyPr/>
-          <a:lstStyle/>
-          <a:p>
-            <a:r>
-              <a:rPr lang="de-DE" dirty="0"/>
-              <a:t>Anwendungsfalldiagramm</a:t>
-            </a:r>
-          </a:p>
-        </p:txBody>
-      </p:sp>
-      <p:sp>
-        <p:nvSpPr>
-          <p:cNvPr id="3" name="Inhaltsplatzhalter 2">
-            <a:extLst>
-              <a:ext uri="{FF2B5EF4-FFF2-40B4-BE49-F238E27FC236}">
-                <a16:creationId xmlns:a16="http://schemas.microsoft.com/office/drawing/2014/main" id="{301A960B-019B-9A1B-5E1C-BF6C4498246A}"/>
-              </a:ext>
-            </a:extLst>
-          </p:cNvPr>
-          <p:cNvSpPr>
-            <a:spLocks noGrp="1"/>
-          </p:cNvSpPr>
-          <p:nvPr>
-            <p:ph idx="1"/>
-          </p:nvPr>
-        </p:nvSpPr>
-        <p:spPr/>
-        <p:txBody>
-          <a:bodyPr/>
-          <a:lstStyle/>
-          <a:p>
-            <a:r>
-              <a:rPr lang="de-DE" dirty="0"/>
-              <a:t>Anwendungsfalldiagramm von </a:t>
-            </a:r>
-            <a:r>
-              <a:rPr lang="de-DE" dirty="0" err="1"/>
-              <a:t>Raha</a:t>
-            </a:r>
-            <a:endParaRPr lang="de-DE" dirty="0"/>
-          </a:p>
-        </p:txBody>
-      </p:sp>
-      <p:sp>
-        <p:nvSpPr>
           <p:cNvPr id="4" name="Foliennummernplatzhalter 3">
             <a:extLst>
               <a:ext uri="{FF2B5EF4-FFF2-40B4-BE49-F238E27FC236}">
@@ -6096,6 +6520,42 @@
           </a:p>
         </p:txBody>
       </p:sp>
+      <p:pic>
+        <p:nvPicPr>
+          <p:cNvPr id="7" name="Grafik 6" descr="Ein Bild, das Text, Diagramm, Kreis, Screenshot enthält.&#10;&#10;KI-generierte Inhalte können fehlerhaft sein.">
+            <a:extLst>
+              <a:ext uri="{FF2B5EF4-FFF2-40B4-BE49-F238E27FC236}">
+                <a16:creationId xmlns:a16="http://schemas.microsoft.com/office/drawing/2014/main" id="{8DF67D25-9966-9E63-3C85-DA7F7F8B4DDF}"/>
+              </a:ext>
+            </a:extLst>
+          </p:cNvPr>
+          <p:cNvPicPr>
+            <a:picLocks noChangeAspect="1"/>
+          </p:cNvPicPr>
+          <p:nvPr/>
+        </p:nvPicPr>
+        <p:blipFill>
+          <a:blip r:embed="rId2">
+            <a:extLst>
+              <a:ext uri="{28A0092B-C50C-407E-A947-70E740481C1C}">
+                <a14:useLocalDpi xmlns:a14="http://schemas.microsoft.com/office/drawing/2010/main" val="0"/>
+              </a:ext>
+            </a:extLst>
+          </a:blip>
+          <a:stretch>
+            <a:fillRect/>
+          </a:stretch>
+        </p:blipFill>
+        <p:spPr>
+          <a:xfrm>
+            <a:off x="838200" y="209550"/>
+            <a:ext cx="10468341" cy="6565365"/>
+          </a:xfrm>
+          <a:prstGeom prst="rect">
+            <a:avLst/>
+          </a:prstGeom>
+        </p:spPr>
+      </p:pic>
       <p:sp>
         <p:nvSpPr>
           <p:cNvPr id="5" name="Textfeld 4">
@@ -6110,7 +6570,7 @@
         </p:nvSpPr>
         <p:spPr>
           <a:xfrm>
-            <a:off x="4238626" y="4920218"/>
+            <a:off x="838200" y="6405583"/>
             <a:ext cx="4038600" cy="369332"/>
           </a:xfrm>
           <a:prstGeom prst="rect">

--- a/doc/cinema-management-software.pptx
+++ b/doc/cinema-management-software.pptx
@@ -5080,10 +5080,10 @@
       </p:grpSpPr>
       <p:sp useBgFill="1">
         <p:nvSpPr>
-          <p:cNvPr id="20" name="Rectangle 19">
-            <a:extLst>
-              <a:ext uri="{FF2B5EF4-FFF2-40B4-BE49-F238E27FC236}">
-                <a16:creationId xmlns:a16="http://schemas.microsoft.com/office/drawing/2014/main" id="{B6CDA21F-E7AF-4C75-8395-33F58D5B0E45}"/>
+          <p:cNvPr id="47" name="Rectangle 46">
+            <a:extLst>
+              <a:ext uri="{FF2B5EF4-FFF2-40B4-BE49-F238E27FC236}">
+                <a16:creationId xmlns:a16="http://schemas.microsoft.com/office/drawing/2014/main" id="{922F19F4-FE70-43DC-856F-2CE5F521DC48}"/>
               </a:ext>
               <a:ext uri="{C183D7F6-B498-43B3-948B-1728B52AA6E4}">
                 <adec:decorative xmlns:adec="http://schemas.microsoft.com/office/drawing/2017/decorative" val="1"/>
@@ -5140,7 +5140,7 @@
       </p:sp>
       <p:grpSp>
         <p:nvGrpSpPr>
-          <p:cNvPr id="22" name="Group 21">
+          <p:cNvPr id="49" name="Group 48">
             <a:extLst>
               <a:ext uri="{FF2B5EF4-FFF2-40B4-BE49-F238E27FC236}">
                 <a16:creationId xmlns:a16="http://schemas.microsoft.com/office/drawing/2014/main" id="{AE1C45F0-260A-458C-96ED-C1F6D2151219}"/>
@@ -5163,7 +5163,7 @@
         </p:nvGrpSpPr>
         <p:grpSpPr>
           <a:xfrm>
-            <a:off x="4" y="1216597"/>
+            <a:off x="4" y="1062849"/>
             <a:ext cx="731521" cy="673460"/>
             <a:chOff x="3940602" y="308034"/>
             <a:chExt cx="2116791" cy="3428999"/>
@@ -5174,7 +5174,7 @@
         </p:grpSpPr>
         <p:sp>
           <p:nvSpPr>
-            <p:cNvPr id="23" name="Rectangle 22">
+            <p:cNvPr id="50" name="Rectangle 49">
               <a:extLst>
                 <a:ext uri="{FF2B5EF4-FFF2-40B4-BE49-F238E27FC236}">
                   <a16:creationId xmlns:a16="http://schemas.microsoft.com/office/drawing/2014/main" id="{A6604B49-AD5C-4590-B051-06C8222ECD99}"/>
@@ -5233,7 +5233,7 @@
         </p:sp>
         <p:sp>
           <p:nvSpPr>
-            <p:cNvPr id="24" name="Rectangle 23">
+            <p:cNvPr id="51" name="Rectangle 50">
               <a:extLst>
                 <a:ext uri="{FF2B5EF4-FFF2-40B4-BE49-F238E27FC236}">
                   <a16:creationId xmlns:a16="http://schemas.microsoft.com/office/drawing/2014/main" id="{743ECCAF-29C5-4537-947C-7EA1292463DB}"/>
@@ -5292,7 +5292,7 @@
         </p:sp>
         <p:sp>
           <p:nvSpPr>
-            <p:cNvPr id="25" name="Rectangle 24">
+            <p:cNvPr id="52" name="Rectangle 51">
               <a:extLst>
                 <a:ext uri="{FF2B5EF4-FFF2-40B4-BE49-F238E27FC236}">
                   <a16:creationId xmlns:a16="http://schemas.microsoft.com/office/drawing/2014/main" id="{ED49787B-8DE6-4467-AD0A-8DECC6E0C2D6}"/>
@@ -5352,7 +5352,7 @@
       </p:grpSp>
       <p:sp>
         <p:nvSpPr>
-          <p:cNvPr id="27" name="Rectangle 26">
+          <p:cNvPr id="54" name="Rectangle 53">
             <a:extLst>
               <a:ext uri="{FF2B5EF4-FFF2-40B4-BE49-F238E27FC236}">
                 <a16:creationId xmlns:a16="http://schemas.microsoft.com/office/drawing/2014/main" id="{D5B0017B-2ECA-49AF-B397-DC140825DF8D}"/>
@@ -5375,8 +5375,8 @@
         </p:nvSpPr>
         <p:spPr>
           <a:xfrm>
-            <a:off x="640079" y="613954"/>
-            <a:ext cx="10907487" cy="1894116"/>
+            <a:off x="640080" y="656150"/>
+            <a:ext cx="5590787" cy="1431591"/>
           </a:xfrm>
           <a:prstGeom prst="rect">
             <a:avLst/>
@@ -5438,8 +5438,8 @@
         </p:nvSpPr>
         <p:spPr>
           <a:xfrm>
-            <a:off x="1043631" y="809898"/>
-            <a:ext cx="9942716" cy="1554480"/>
+            <a:off x="1043631" y="873940"/>
+            <a:ext cx="4928291" cy="1035781"/>
           </a:xfrm>
         </p:spPr>
         <p:txBody>
@@ -5449,7 +5449,7 @@
           <a:lstStyle/>
           <a:p>
             <a:r>
-              <a:rPr lang="de-DE" sz="4800"/>
+              <a:rPr lang="de-DE" sz="3300"/>
               <a:t>Umsetzung der Zusatzaufgabe</a:t>
             </a:r>
           </a:p>
@@ -5473,8 +5473,8 @@
         </p:nvSpPr>
         <p:spPr>
           <a:xfrm>
-            <a:off x="1045028" y="3017522"/>
-            <a:ext cx="9941319" cy="3124658"/>
+            <a:off x="1045029" y="2524721"/>
+            <a:ext cx="4991629" cy="3677123"/>
           </a:xfrm>
         </p:spPr>
         <p:txBody>
@@ -5484,45 +5484,55 @@
           <a:lstStyle/>
           <a:p>
             <a:r>
-              <a:rPr lang="de-DE" sz="2400" dirty="0"/>
+              <a:rPr lang="de-DE" sz="1800" dirty="0"/>
               <a:t>Andere NoSQL Datenbank = Neo4j</a:t>
             </a:r>
           </a:p>
           <a:p>
             <a:r>
-              <a:rPr lang="de-DE" sz="2400" dirty="0"/>
+              <a:rPr lang="de-DE" sz="1800" dirty="0"/>
               <a:t>Graphen Datenbank</a:t>
             </a:r>
           </a:p>
           <a:p>
             <a:r>
-              <a:rPr lang="de-DE" sz="2400" dirty="0"/>
+              <a:rPr lang="de-DE" sz="1800" dirty="0"/>
+              <a:t>Beziehungen </a:t>
+            </a:r>
+            <a:r>
+              <a:rPr lang="de-DE" sz="1800"/>
+              <a:t>zwischen Knoten</a:t>
+            </a:r>
+          </a:p>
+          <a:p>
+            <a:r>
+              <a:rPr lang="de-DE" sz="1800" dirty="0"/>
               <a:t>Live Demo</a:t>
             </a:r>
           </a:p>
           <a:p>
-            <a:endParaRPr lang="de-DE" sz="2400" dirty="0"/>
-          </a:p>
-          <a:p>
-            <a:endParaRPr lang="de-DE" sz="2400" dirty="0"/>
-          </a:p>
-        </p:txBody>
-      </p:sp>
-      <p:cxnSp>
-        <p:nvCxnSpPr>
-          <p:cNvPr id="29" name="Straight Connector 28">
-            <a:extLst>
-              <a:ext uri="{FF2B5EF4-FFF2-40B4-BE49-F238E27FC236}">
-                <a16:creationId xmlns:a16="http://schemas.microsoft.com/office/drawing/2014/main" id="{6CF1BAF6-AD41-4082-B212-8A1F9A2E8779}"/>
+            <a:endParaRPr lang="de-DE" sz="1800" dirty="0"/>
+          </a:p>
+          <a:p>
+            <a:endParaRPr lang="de-DE" sz="1800" dirty="0"/>
+          </a:p>
+        </p:txBody>
+      </p:sp>
+      <p:sp>
+        <p:nvSpPr>
+          <p:cNvPr id="56" name="Rectangle 55">
+            <a:extLst>
+              <a:ext uri="{FF2B5EF4-FFF2-40B4-BE49-F238E27FC236}">
+                <a16:creationId xmlns:a16="http://schemas.microsoft.com/office/drawing/2014/main" id="{395ECC94-3D5E-46A7-A7A1-DE807E1563B4}"/>
               </a:ext>
               <a:ext uri="{C183D7F6-B498-43B3-948B-1728B52AA6E4}">
                 <adec:decorative xmlns:adec="http://schemas.microsoft.com/office/drawing/2017/decorative" val="1"/>
               </a:ext>
             </a:extLst>
           </p:cNvPr>
-          <p:cNvCxnSpPr>
-            <a:cxnSpLocks noGrp="1" noRot="1" noChangeAspect="1" noMove="1" noResize="1" noEditPoints="1" noAdjustHandles="1" noChangeArrowheads="1" noChangeShapeType="1"/>
-          </p:cNvCxnSpPr>
+          <p:cNvSpPr>
+            <a:spLocks noGrp="1" noRot="1" noChangeAspect="1" noMove="1" noResize="1" noEditPoints="1" noAdjustHandles="1" noChangeArrowheads="1" noChangeShapeType="1" noTextEdit="1"/>
+          </p:cNvSpPr>
           <p:nvPr>
             <p:extLst>
               <p:ext uri="{386F3935-93C4-4BCD-93E2-E3B085C9AB24}">
@@ -5530,10 +5540,210 @@
               </p:ext>
             </p:extLst>
           </p:nvPr>
+        </p:nvSpPr>
+        <p:spPr>
+          <a:xfrm>
+            <a:off x="6634418" y="658367"/>
+            <a:ext cx="4719382" cy="2679191"/>
+          </a:xfrm>
+          <a:prstGeom prst="rect">
+            <a:avLst/>
+          </a:prstGeom>
+          <a:solidFill>
+            <a:schemeClr val="bg1"/>
+          </a:solidFill>
+          <a:ln>
+            <a:noFill/>
+          </a:ln>
+          <a:effectLst>
+            <a:outerShdw blurRad="139700" dist="127000" dir="5400000" algn="t" rotWithShape="0">
+              <a:prstClr val="black">
+                <a:alpha val="15000"/>
+              </a:prstClr>
+            </a:outerShdw>
+          </a:effectLst>
+        </p:spPr>
+        <p:style>
+          <a:lnRef idx="2">
+            <a:schemeClr val="accent1">
+              <a:shade val="50000"/>
+            </a:schemeClr>
+          </a:lnRef>
+          <a:fillRef idx="1">
+            <a:schemeClr val="accent1"/>
+          </a:fillRef>
+          <a:effectRef idx="0">
+            <a:schemeClr val="accent1"/>
+          </a:effectRef>
+          <a:fontRef idx="minor">
+            <a:schemeClr val="lt1"/>
+          </a:fontRef>
+        </p:style>
+        <p:txBody>
+          <a:bodyPr rtlCol="0" anchor="ctr"/>
+          <a:lstStyle/>
+          <a:p>
+            <a:pPr algn="ctr"/>
+            <a:endParaRPr lang="en-US"/>
+          </a:p>
+        </p:txBody>
+      </p:sp>
+      <p:pic>
+        <p:nvPicPr>
+          <p:cNvPr id="6" name="Grafik 5" descr="Ein Bild, das Kreis, Screenshot enthält.&#10;&#10;KI-generierte Inhalte können fehlerhaft sein.">
+            <a:extLst>
+              <a:ext uri="{FF2B5EF4-FFF2-40B4-BE49-F238E27FC236}">
+                <a16:creationId xmlns:a16="http://schemas.microsoft.com/office/drawing/2014/main" id="{1AE66249-1637-53EC-8B47-6FBBE1B70EE1}"/>
+              </a:ext>
+            </a:extLst>
+          </p:cNvPr>
+          <p:cNvPicPr>
+            <a:picLocks noChangeAspect="1"/>
+          </p:cNvPicPr>
+          <p:nvPr/>
+        </p:nvPicPr>
+        <p:blipFill>
+          <a:blip r:embed="rId3"/>
+          <a:stretch>
+            <a:fillRect/>
+          </a:stretch>
+        </p:blipFill>
+        <p:spPr>
+          <a:xfrm>
+            <a:off x="7379260" y="841905"/>
+            <a:ext cx="3229516" cy="2317178"/>
+          </a:xfrm>
+          <a:prstGeom prst="rect">
+            <a:avLst/>
+          </a:prstGeom>
+        </p:spPr>
+      </p:pic>
+      <p:sp>
+        <p:nvSpPr>
+          <p:cNvPr id="58" name="Rectangle 57">
+            <a:extLst>
+              <a:ext uri="{FF2B5EF4-FFF2-40B4-BE49-F238E27FC236}">
+                <a16:creationId xmlns:a16="http://schemas.microsoft.com/office/drawing/2014/main" id="{7E549738-9961-462D-81B7-4A7A44691102}"/>
+              </a:ext>
+              <a:ext uri="{C183D7F6-B498-43B3-948B-1728B52AA6E4}">
+                <adec:decorative xmlns:adec="http://schemas.microsoft.com/office/drawing/2017/decorative" val="1"/>
+              </a:ext>
+            </a:extLst>
+          </p:cNvPr>
+          <p:cNvSpPr>
+            <a:spLocks noGrp="1" noRot="1" noChangeAspect="1" noMove="1" noResize="1" noEditPoints="1" noAdjustHandles="1" noChangeArrowheads="1" noChangeShapeType="1" noTextEdit="1"/>
+          </p:cNvSpPr>
+          <p:nvPr>
+            <p:extLst>
+              <p:ext uri="{386F3935-93C4-4BCD-93E2-E3B085C9AB24}">
+                <p16:designElem xmlns:p16="http://schemas.microsoft.com/office/powerpoint/2015/main" val="1"/>
+              </p:ext>
+            </p:extLst>
+          </p:nvPr>
+        </p:nvSpPr>
+        <p:spPr>
+          <a:xfrm>
+            <a:off x="6634418" y="3530966"/>
+            <a:ext cx="4719382" cy="2679191"/>
+          </a:xfrm>
+          <a:prstGeom prst="rect">
+            <a:avLst/>
+          </a:prstGeom>
+          <a:solidFill>
+            <a:schemeClr val="bg1"/>
+          </a:solidFill>
+          <a:ln>
+            <a:noFill/>
+          </a:ln>
+          <a:effectLst>
+            <a:outerShdw blurRad="139700" dist="127000" dir="5400000" algn="t" rotWithShape="0">
+              <a:prstClr val="black">
+                <a:alpha val="15000"/>
+              </a:prstClr>
+            </a:outerShdw>
+          </a:effectLst>
+        </p:spPr>
+        <p:style>
+          <a:lnRef idx="2">
+            <a:schemeClr val="accent1">
+              <a:shade val="50000"/>
+            </a:schemeClr>
+          </a:lnRef>
+          <a:fillRef idx="1">
+            <a:schemeClr val="accent1"/>
+          </a:fillRef>
+          <a:effectRef idx="0">
+            <a:schemeClr val="accent1"/>
+          </a:effectRef>
+          <a:fontRef idx="minor">
+            <a:schemeClr val="lt1"/>
+          </a:fontRef>
+        </p:style>
+        <p:txBody>
+          <a:bodyPr rtlCol="0" anchor="ctr"/>
+          <a:lstStyle/>
+          <a:p>
+            <a:pPr algn="ctr"/>
+            <a:endParaRPr lang="en-US"/>
+          </a:p>
+        </p:txBody>
+      </p:sp>
+      <p:pic>
+        <p:nvPicPr>
+          <p:cNvPr id="8" name="Grafik 7" descr="Ein Bild, das Text, Screenshot, Schrift, Design enthält.&#10;&#10;KI-generierte Inhalte können fehlerhaft sein.">
+            <a:extLst>
+              <a:ext uri="{FF2B5EF4-FFF2-40B4-BE49-F238E27FC236}">
+                <a16:creationId xmlns:a16="http://schemas.microsoft.com/office/drawing/2014/main" id="{3359F4F3-91E6-33A5-B250-7303EDD26E2F}"/>
+              </a:ext>
+            </a:extLst>
+          </p:cNvPr>
+          <p:cNvPicPr>
+            <a:picLocks noChangeAspect="1"/>
+          </p:cNvPicPr>
+          <p:nvPr/>
+        </p:nvPicPr>
+        <p:blipFill>
+          <a:blip r:embed="rId4"/>
+          <a:stretch>
+            <a:fillRect/>
+          </a:stretch>
+        </p:blipFill>
+        <p:spPr>
+          <a:xfrm>
+            <a:off x="6841066" y="4142723"/>
+            <a:ext cx="4305905" cy="1439049"/>
+          </a:xfrm>
+          <a:prstGeom prst="rect">
+            <a:avLst/>
+          </a:prstGeom>
+        </p:spPr>
+      </p:pic>
+      <p:cxnSp>
+        <p:nvCxnSpPr>
+          <p:cNvPr id="60" name="Straight Connector 59">
+            <a:extLst>
+              <a:ext uri="{FF2B5EF4-FFF2-40B4-BE49-F238E27FC236}">
+                <a16:creationId xmlns:a16="http://schemas.microsoft.com/office/drawing/2014/main" id="{6CF1BAF6-AD41-4082-B212-8A1F9A2E8779}"/>
+              </a:ext>
+              <a:ext uri="{C183D7F6-B498-43B3-948B-1728B52AA6E4}">
+                <adec:decorative xmlns:adec="http://schemas.microsoft.com/office/drawing/2017/decorative" val="1"/>
+              </a:ext>
+            </a:extLst>
+          </p:cNvPr>
+          <p:cNvCxnSpPr>
+            <a:cxnSpLocks noGrp="1" noRot="1" noChangeAspect="1" noMove="1" noResize="1" noEditPoints="1" noAdjustHandles="1" noChangeArrowheads="1" noChangeShapeType="1"/>
+          </p:cNvCxnSpPr>
+          <p:nvPr>
+            <p:extLst>
+              <p:ext uri="{386F3935-93C4-4BCD-93E2-E3B085C9AB24}">
+                <p16:designElem xmlns:p16="http://schemas.microsoft.com/office/powerpoint/2015/main" val="1"/>
+              </p:ext>
+            </p:extLst>
+          </p:nvPr>
         </p:nvCxnSpPr>
         <p:spPr>
           <a:xfrm flipH="1">
-            <a:off x="838200" y="6485313"/>
+            <a:off x="838200" y="6492240"/>
             <a:ext cx="10515600" cy="0"/>
           </a:xfrm>
           <a:prstGeom prst="line">

--- a/doc/cinema-management-software.pptx
+++ b/doc/cinema-management-software.pptx
@@ -203,7 +203,7 @@
           <a:p>
             <a:fld id="{A6448144-56D1-49CD-A467-F08522B86AF7}" type="datetimeFigureOut">
               <a:rPr lang="de-DE" smtClean="0"/>
-              <a:t>11.03.2025</a:t>
+              <a:t>12.03.2025</a:t>
             </a:fld>
             <a:endParaRPr lang="de-DE"/>
           </a:p>
@@ -1069,7 +1069,7 @@
           <a:p>
             <a:fld id="{1232EAFD-C9AB-460A-8992-EE26AE12B952}" type="datetime1">
               <a:rPr lang="de-DE" smtClean="0"/>
-              <a:t>11.03.2025</a:t>
+              <a:t>12.03.2025</a:t>
             </a:fld>
             <a:endParaRPr lang="de-DE"/>
           </a:p>
@@ -1267,7 +1267,7 @@
           <a:p>
             <a:fld id="{CB075501-90CD-4FAF-9370-4DCE63C23CDE}" type="datetime1">
               <a:rPr lang="de-DE" smtClean="0"/>
-              <a:t>11.03.2025</a:t>
+              <a:t>12.03.2025</a:t>
             </a:fld>
             <a:endParaRPr lang="de-DE"/>
           </a:p>
@@ -1475,7 +1475,7 @@
           <a:p>
             <a:fld id="{A01214DE-975C-4E01-89FF-5DFB7B701B61}" type="datetime1">
               <a:rPr lang="de-DE" smtClean="0"/>
-              <a:t>11.03.2025</a:t>
+              <a:t>12.03.2025</a:t>
             </a:fld>
             <a:endParaRPr lang="de-DE"/>
           </a:p>
@@ -1673,7 +1673,7 @@
           <a:p>
             <a:fld id="{3FFBC837-A0EB-4DFF-80A8-36F2B689365E}" type="datetime1">
               <a:rPr lang="de-DE" smtClean="0"/>
-              <a:t>11.03.2025</a:t>
+              <a:t>12.03.2025</a:t>
             </a:fld>
             <a:endParaRPr lang="de-DE"/>
           </a:p>
@@ -1948,7 +1948,7 @@
           <a:p>
             <a:fld id="{21E83523-0E54-4178-850C-F0C864CC84A2}" type="datetime1">
               <a:rPr lang="de-DE" smtClean="0"/>
-              <a:t>11.03.2025</a:t>
+              <a:t>12.03.2025</a:t>
             </a:fld>
             <a:endParaRPr lang="de-DE"/>
           </a:p>
@@ -2213,7 +2213,7 @@
           <a:p>
             <a:fld id="{26399351-DC80-4778-84F2-FB4829239114}" type="datetime1">
               <a:rPr lang="de-DE" smtClean="0"/>
-              <a:t>11.03.2025</a:t>
+              <a:t>12.03.2025</a:t>
             </a:fld>
             <a:endParaRPr lang="de-DE"/>
           </a:p>
@@ -2625,7 +2625,7 @@
           <a:p>
             <a:fld id="{0921AB26-FCCF-478F-85CD-2F8D46741BA8}" type="datetime1">
               <a:rPr lang="de-DE" smtClean="0"/>
-              <a:t>11.03.2025</a:t>
+              <a:t>12.03.2025</a:t>
             </a:fld>
             <a:endParaRPr lang="de-DE"/>
           </a:p>
@@ -2766,7 +2766,7 @@
           <a:p>
             <a:fld id="{68E60381-5763-4F65-ADA4-E4E5EF8497D2}" type="datetime1">
               <a:rPr lang="de-DE" smtClean="0"/>
-              <a:t>11.03.2025</a:t>
+              <a:t>12.03.2025</a:t>
             </a:fld>
             <a:endParaRPr lang="de-DE"/>
           </a:p>
@@ -2879,7 +2879,7 @@
           <a:p>
             <a:fld id="{88FCFBAD-46A4-492B-9F92-E248F289AE94}" type="datetime1">
               <a:rPr lang="de-DE" smtClean="0"/>
-              <a:t>11.03.2025</a:t>
+              <a:t>12.03.2025</a:t>
             </a:fld>
             <a:endParaRPr lang="de-DE"/>
           </a:p>
@@ -3190,7 +3190,7 @@
           <a:p>
             <a:fld id="{EB128136-CB02-49E6-800D-D255BE0B56D1}" type="datetime1">
               <a:rPr lang="de-DE" smtClean="0"/>
-              <a:t>11.03.2025</a:t>
+              <a:t>12.03.2025</a:t>
             </a:fld>
             <a:endParaRPr lang="de-DE"/>
           </a:p>
@@ -3478,7 +3478,7 @@
           <a:p>
             <a:fld id="{5AEB536A-2E4D-448E-8F14-62CD5B3C50ED}" type="datetime1">
               <a:rPr lang="de-DE" smtClean="0"/>
-              <a:t>11.03.2025</a:t>
+              <a:t>12.03.2025</a:t>
             </a:fld>
             <a:endParaRPr lang="de-DE"/>
           </a:p>
@@ -3722,7 +3722,7 @@
           <a:p>
             <a:fld id="{CC2D6B0D-268E-43AA-811C-A227BCD80331}" type="datetime1">
               <a:rPr lang="de-DE" smtClean="0"/>
-              <a:t>11.03.2025</a:t>
+              <a:t>12.03.2025</a:t>
             </a:fld>
             <a:endParaRPr lang="de-DE"/>
           </a:p>
@@ -6572,50 +6572,19 @@
           <a:chExt cx="0" cy="0"/>
         </a:xfrm>
       </p:grpSpPr>
-      <p:sp>
-        <p:nvSpPr>
-          <p:cNvPr id="4" name="Foliennummernplatzhalter 3">
-            <a:extLst>
-              <a:ext uri="{FF2B5EF4-FFF2-40B4-BE49-F238E27FC236}">
-                <a16:creationId xmlns:a16="http://schemas.microsoft.com/office/drawing/2014/main" id="{C9F0E8C4-7394-D762-16AC-2AF1729D33CC}"/>
-              </a:ext>
-            </a:extLst>
-          </p:cNvPr>
-          <p:cNvSpPr>
-            <a:spLocks noGrp="1"/>
-          </p:cNvSpPr>
-          <p:nvPr>
-            <p:ph type="sldNum" sz="quarter" idx="12"/>
-          </p:nvPr>
-        </p:nvSpPr>
-        <p:spPr/>
-        <p:txBody>
-          <a:bodyPr/>
-          <a:lstStyle/>
-          <a:p>
-            <a:fld id="{4AB5FF89-F362-42AA-B568-9C43E57664DD}" type="slidenum">
-              <a:rPr lang="de-DE" smtClean="0"/>
-              <a:t>5</a:t>
-            </a:fld>
-            <a:endParaRPr lang="de-DE"/>
-          </a:p>
-        </p:txBody>
-      </p:sp>
       <p:pic>
         <p:nvPicPr>
-          <p:cNvPr id="7" name="Inhaltsplatzhalter 6" descr="Ein Bild, das Text, Diagramm, Plan, parallel enthält.&#10;&#10;KI-generierte Inhalte können fehlerhaft sein.">
-            <a:extLst>
-              <a:ext uri="{FF2B5EF4-FFF2-40B4-BE49-F238E27FC236}">
-                <a16:creationId xmlns:a16="http://schemas.microsoft.com/office/drawing/2014/main" id="{E17A9778-8B2C-DD4D-DF57-22A7929C2345}"/>
+          <p:cNvPr id="6" name="Grafik 5" descr="Ein Bild, das Text, Diagramm, Plan, parallel enthält.&#10;&#10;KI-generierte Inhalte können fehlerhaft sein.">
+            <a:extLst>
+              <a:ext uri="{FF2B5EF4-FFF2-40B4-BE49-F238E27FC236}">
+                <a16:creationId xmlns:a16="http://schemas.microsoft.com/office/drawing/2014/main" id="{8D28D767-59A7-3878-7D6A-A38C49923156}"/>
               </a:ext>
             </a:extLst>
           </p:cNvPr>
           <p:cNvPicPr>
-            <a:picLocks noGrp="1" noChangeAspect="1"/>
+            <a:picLocks noChangeAspect="1"/>
           </p:cNvPicPr>
-          <p:nvPr>
-            <p:ph idx="1"/>
-          </p:nvPr>
+          <p:nvPr/>
         </p:nvPicPr>
         <p:blipFill>
           <a:blip r:embed="rId3">
@@ -6631,13 +6600,45 @@
         </p:blipFill>
         <p:spPr>
           <a:xfrm>
-            <a:off x="1114425" y="67346"/>
-            <a:ext cx="8572500" cy="6769700"/>
+            <a:off x="1753842" y="0"/>
+            <a:ext cx="8684315" cy="6858000"/>
           </a:xfrm>
+          <a:prstGeom prst="rect">
+            <a:avLst/>
+          </a:prstGeom>
         </p:spPr>
       </p:pic>
       <p:sp>
         <p:nvSpPr>
+          <p:cNvPr id="4" name="Foliennummernplatzhalter 3">
+            <a:extLst>
+              <a:ext uri="{FF2B5EF4-FFF2-40B4-BE49-F238E27FC236}">
+                <a16:creationId xmlns:a16="http://schemas.microsoft.com/office/drawing/2014/main" id="{C9F0E8C4-7394-D762-16AC-2AF1729D33CC}"/>
+              </a:ext>
+            </a:extLst>
+          </p:cNvPr>
+          <p:cNvSpPr>
+            <a:spLocks noGrp="1"/>
+          </p:cNvSpPr>
+          <p:nvPr>
+            <p:ph type="sldNum" sz="quarter" idx="12"/>
+          </p:nvPr>
+        </p:nvSpPr>
+        <p:spPr/>
+        <p:txBody>
+          <a:bodyPr/>
+          <a:lstStyle/>
+          <a:p>
+            <a:fld id="{4AB5FF89-F362-42AA-B568-9C43E57664DD}" type="slidenum">
+              <a:rPr lang="de-DE" smtClean="0"/>
+              <a:t>5</a:t>
+            </a:fld>
+            <a:endParaRPr lang="de-DE"/>
+          </a:p>
+        </p:txBody>
+      </p:sp>
+      <p:sp>
+        <p:nvSpPr>
           <p:cNvPr id="9" name="Textfeld 8">
             <a:extLst>
               <a:ext uri="{FF2B5EF4-FFF2-40B4-BE49-F238E27FC236}">
@@ -6650,7 +6651,7 @@
         </p:nvSpPr>
         <p:spPr>
           <a:xfrm>
-            <a:off x="5676673" y="5987018"/>
+            <a:off x="6132630" y="5987018"/>
             <a:ext cx="4305527" cy="369332"/>
           </a:xfrm>
           <a:prstGeom prst="rect">

--- a/doc/cinema-management-software.pptx
+++ b/doc/cinema-management-software.pptx
@@ -5,16 +5,17 @@
     <p:sldMasterId id="2147483648" r:id="rId1"/>
   </p:sldMasterIdLst>
   <p:notesMasterIdLst>
-    <p:notesMasterId r:id="rId9"/>
+    <p:notesMasterId r:id="rId10"/>
   </p:notesMasterIdLst>
   <p:sldIdLst>
     <p:sldId id="256" r:id="rId2"/>
     <p:sldId id="257" r:id="rId3"/>
     <p:sldId id="258" r:id="rId4"/>
     <p:sldId id="259" r:id="rId5"/>
-    <p:sldId id="260" r:id="rId6"/>
-    <p:sldId id="261" r:id="rId7"/>
-    <p:sldId id="262" r:id="rId8"/>
+    <p:sldId id="263" r:id="rId6"/>
+    <p:sldId id="260" r:id="rId7"/>
+    <p:sldId id="261" r:id="rId8"/>
+    <p:sldId id="262" r:id="rId9"/>
   </p:sldIdLst>
   <p:sldSz cx="12192000" cy="6858000"/>
   <p:notesSz cx="6858000" cy="9144000"/>
@@ -805,7 +806,7 @@
           <a:p>
             <a:fld id="{05401A17-4B9B-4FFB-A57D-42B6C7841E2E}" type="slidenum">
               <a:rPr lang="de-DE" smtClean="0"/>
-              <a:t>5</a:t>
+              <a:t>6</a:t>
             </a:fld>
             <a:endParaRPr lang="de-DE"/>
           </a:p>
@@ -903,7 +904,7 @@
           <a:p>
             <a:fld id="{05401A17-4B9B-4FFB-A57D-42B6C7841E2E}" type="slidenum">
               <a:rPr lang="de-DE" smtClean="0"/>
-              <a:t>7</a:t>
+              <a:t>8</a:t>
             </a:fld>
             <a:endParaRPr lang="de-DE"/>
           </a:p>
@@ -6401,8 +6402,8 @@
         </p:blipFill>
         <p:spPr>
           <a:xfrm>
-            <a:off x="6952827" y="1736309"/>
-            <a:ext cx="4200918" cy="3369901"/>
+            <a:off x="6716298" y="1334533"/>
+            <a:ext cx="4701774" cy="3771678"/>
           </a:xfrm>
           <a:prstGeom prst="rect">
             <a:avLst/>
@@ -6572,12 +6573,41 @@
           <a:chExt cx="0" cy="0"/>
         </a:xfrm>
       </p:grpSpPr>
+      <p:sp>
+        <p:nvSpPr>
+          <p:cNvPr id="4" name="Foliennummernplatzhalter 3">
+            <a:extLst>
+              <a:ext uri="{FF2B5EF4-FFF2-40B4-BE49-F238E27FC236}">
+                <a16:creationId xmlns:a16="http://schemas.microsoft.com/office/drawing/2014/main" id="{E789DFB3-E6B3-E62C-9C0E-68EE360B773A}"/>
+              </a:ext>
+            </a:extLst>
+          </p:cNvPr>
+          <p:cNvSpPr>
+            <a:spLocks noGrp="1"/>
+          </p:cNvSpPr>
+          <p:nvPr>
+            <p:ph type="sldNum" sz="quarter" idx="12"/>
+          </p:nvPr>
+        </p:nvSpPr>
+        <p:spPr/>
+        <p:txBody>
+          <a:bodyPr/>
+          <a:lstStyle/>
+          <a:p>
+            <a:fld id="{4AB5FF89-F362-42AA-B568-9C43E57664DD}" type="slidenum">
+              <a:rPr lang="de-DE" smtClean="0"/>
+              <a:t>5</a:t>
+            </a:fld>
+            <a:endParaRPr lang="de-DE"/>
+          </a:p>
+        </p:txBody>
+      </p:sp>
       <p:pic>
         <p:nvPicPr>
-          <p:cNvPr id="6" name="Grafik 5" descr="Ein Bild, das Text, Diagramm, Plan, parallel enthält.&#10;&#10;KI-generierte Inhalte können fehlerhaft sein.">
-            <a:extLst>
-              <a:ext uri="{FF2B5EF4-FFF2-40B4-BE49-F238E27FC236}">
-                <a16:creationId xmlns:a16="http://schemas.microsoft.com/office/drawing/2014/main" id="{8D28D767-59A7-3878-7D6A-A38C49923156}"/>
+          <p:cNvPr id="5" name="Grafik 4">
+            <a:extLst>
+              <a:ext uri="{FF2B5EF4-FFF2-40B4-BE49-F238E27FC236}">
+                <a16:creationId xmlns:a16="http://schemas.microsoft.com/office/drawing/2014/main" id="{351335E8-98E6-B9D8-90FA-159DDE77489C}"/>
               </a:ext>
             </a:extLst>
           </p:cNvPr>
@@ -6587,21 +6617,15 @@
           <p:nvPr/>
         </p:nvPicPr>
         <p:blipFill>
-          <a:blip r:embed="rId3">
-            <a:extLst>
-              <a:ext uri="{28A0092B-C50C-407E-A947-70E740481C1C}">
-                <a14:useLocalDpi xmlns:a14="http://schemas.microsoft.com/office/drawing/2010/main" val="0"/>
-              </a:ext>
-            </a:extLst>
-          </a:blip>
+          <a:blip r:embed="rId2"/>
           <a:stretch>
             <a:fillRect/>
           </a:stretch>
         </p:blipFill>
         <p:spPr>
           <a:xfrm>
-            <a:off x="1753842" y="0"/>
-            <a:ext cx="8684315" cy="6858000"/>
+            <a:off x="1359244" y="0"/>
+            <a:ext cx="8477164" cy="6800228"/>
           </a:xfrm>
           <a:prstGeom prst="rect">
             <a:avLst/>
@@ -6610,39 +6634,10 @@
       </p:pic>
       <p:sp>
         <p:nvSpPr>
-          <p:cNvPr id="4" name="Foliennummernplatzhalter 3">
-            <a:extLst>
-              <a:ext uri="{FF2B5EF4-FFF2-40B4-BE49-F238E27FC236}">
-                <a16:creationId xmlns:a16="http://schemas.microsoft.com/office/drawing/2014/main" id="{C9F0E8C4-7394-D762-16AC-2AF1729D33CC}"/>
-              </a:ext>
-            </a:extLst>
-          </p:cNvPr>
-          <p:cNvSpPr>
-            <a:spLocks noGrp="1"/>
-          </p:cNvSpPr>
-          <p:nvPr>
-            <p:ph type="sldNum" sz="quarter" idx="12"/>
-          </p:nvPr>
-        </p:nvSpPr>
-        <p:spPr/>
-        <p:txBody>
-          <a:bodyPr/>
-          <a:lstStyle/>
-          <a:p>
-            <a:fld id="{4AB5FF89-F362-42AA-B568-9C43E57664DD}" type="slidenum">
-              <a:rPr lang="de-DE" smtClean="0"/>
-              <a:t>5</a:t>
-            </a:fld>
-            <a:endParaRPr lang="de-DE"/>
-          </a:p>
-        </p:txBody>
-      </p:sp>
-      <p:sp>
-        <p:nvSpPr>
-          <p:cNvPr id="9" name="Textfeld 8">
-            <a:extLst>
-              <a:ext uri="{FF2B5EF4-FFF2-40B4-BE49-F238E27FC236}">
-                <a16:creationId xmlns:a16="http://schemas.microsoft.com/office/drawing/2014/main" id="{25FDBD8B-D62C-A270-CD4A-E9176DAE49A3}"/>
+          <p:cNvPr id="6" name="Textfeld 5">
+            <a:extLst>
+              <a:ext uri="{FF2B5EF4-FFF2-40B4-BE49-F238E27FC236}">
+                <a16:creationId xmlns:a16="http://schemas.microsoft.com/office/drawing/2014/main" id="{511C0CC3-EC2F-9057-8A4F-76431210E012}"/>
               </a:ext>
             </a:extLst>
           </p:cNvPr>
@@ -6651,8 +6646,8 @@
         </p:nvSpPr>
         <p:spPr>
           <a:xfrm>
-            <a:off x="6132630" y="5987018"/>
-            <a:ext cx="4305527" cy="369332"/>
+            <a:off x="4152786" y="6430895"/>
+            <a:ext cx="3886427" cy="369332"/>
           </a:xfrm>
           <a:prstGeom prst="rect">
             <a:avLst/>
@@ -6667,7 +6662,7 @@
           <a:p>
             <a:r>
               <a:rPr lang="de-DE" dirty="0"/>
-              <a:t>Abbildung 2: UML- Fachklassendiagramm</a:t>
+              <a:t>Abbildung 1: Komponentendiagramm</a:t>
             </a:r>
           </a:p>
         </p:txBody>
@@ -6675,7 +6670,7 @@
     </p:spTree>
     <p:extLst>
       <p:ext uri="{BB962C8B-B14F-4D97-AF65-F5344CB8AC3E}">
-        <p14:creationId xmlns:p14="http://schemas.microsoft.com/office/powerpoint/2010/main" val="3332581986"/>
+        <p14:creationId xmlns:p14="http://schemas.microsoft.com/office/powerpoint/2010/main" val="2907584117"/>
       </p:ext>
     </p:extLst>
   </p:cSld>
@@ -6702,12 +6697,48 @@
           <a:chExt cx="0" cy="0"/>
         </a:xfrm>
       </p:grpSpPr>
+      <p:pic>
+        <p:nvPicPr>
+          <p:cNvPr id="6" name="Grafik 5" descr="Ein Bild, das Text, Diagramm, Plan, parallel enthält.&#10;&#10;KI-generierte Inhalte können fehlerhaft sein.">
+            <a:extLst>
+              <a:ext uri="{FF2B5EF4-FFF2-40B4-BE49-F238E27FC236}">
+                <a16:creationId xmlns:a16="http://schemas.microsoft.com/office/drawing/2014/main" id="{8D28D767-59A7-3878-7D6A-A38C49923156}"/>
+              </a:ext>
+            </a:extLst>
+          </p:cNvPr>
+          <p:cNvPicPr>
+            <a:picLocks noChangeAspect="1"/>
+          </p:cNvPicPr>
+          <p:nvPr/>
+        </p:nvPicPr>
+        <p:blipFill>
+          <a:blip r:embed="rId3">
+            <a:extLst>
+              <a:ext uri="{28A0092B-C50C-407E-A947-70E740481C1C}">
+                <a14:useLocalDpi xmlns:a14="http://schemas.microsoft.com/office/drawing/2010/main" val="0"/>
+              </a:ext>
+            </a:extLst>
+          </a:blip>
+          <a:stretch>
+            <a:fillRect/>
+          </a:stretch>
+        </p:blipFill>
+        <p:spPr>
+          <a:xfrm>
+            <a:off x="1753842" y="0"/>
+            <a:ext cx="8684315" cy="6858000"/>
+          </a:xfrm>
+          <a:prstGeom prst="rect">
+            <a:avLst/>
+          </a:prstGeom>
+        </p:spPr>
+      </p:pic>
       <p:sp>
         <p:nvSpPr>
           <p:cNvPr id="4" name="Foliennummernplatzhalter 3">
             <a:extLst>
               <a:ext uri="{FF2B5EF4-FFF2-40B4-BE49-F238E27FC236}">
-                <a16:creationId xmlns:a16="http://schemas.microsoft.com/office/drawing/2014/main" id="{630D442A-B60C-7DC4-F6A6-1B42FBB3A501}"/>
+                <a16:creationId xmlns:a16="http://schemas.microsoft.com/office/drawing/2014/main" id="{C9F0E8C4-7394-D762-16AC-2AF1729D33CC}"/>
               </a:ext>
             </a:extLst>
           </p:cNvPr>
@@ -6726,6 +6757,100 @@
             <a:fld id="{4AB5FF89-F362-42AA-B568-9C43E57664DD}" type="slidenum">
               <a:rPr lang="de-DE" smtClean="0"/>
               <a:t>6</a:t>
+            </a:fld>
+            <a:endParaRPr lang="de-DE"/>
+          </a:p>
+        </p:txBody>
+      </p:sp>
+      <p:sp>
+        <p:nvSpPr>
+          <p:cNvPr id="9" name="Textfeld 8">
+            <a:extLst>
+              <a:ext uri="{FF2B5EF4-FFF2-40B4-BE49-F238E27FC236}">
+                <a16:creationId xmlns:a16="http://schemas.microsoft.com/office/drawing/2014/main" id="{25FDBD8B-D62C-A270-CD4A-E9176DAE49A3}"/>
+              </a:ext>
+            </a:extLst>
+          </p:cNvPr>
+          <p:cNvSpPr txBox="1"/>
+          <p:nvPr/>
+        </p:nvSpPr>
+        <p:spPr>
+          <a:xfrm>
+            <a:off x="6132630" y="5987018"/>
+            <a:ext cx="4305527" cy="369332"/>
+          </a:xfrm>
+          <a:prstGeom prst="rect">
+            <a:avLst/>
+          </a:prstGeom>
+          <a:noFill/>
+        </p:spPr>
+        <p:txBody>
+          <a:bodyPr wrap="square" rtlCol="0">
+            <a:spAutoFit/>
+          </a:bodyPr>
+          <a:lstStyle/>
+          <a:p>
+            <a:r>
+              <a:rPr lang="de-DE" dirty="0"/>
+              <a:t>Abbildung 2: UML- Fachklassendiagramm</a:t>
+            </a:r>
+          </a:p>
+        </p:txBody>
+      </p:sp>
+    </p:spTree>
+    <p:extLst>
+      <p:ext uri="{BB962C8B-B14F-4D97-AF65-F5344CB8AC3E}">
+        <p14:creationId xmlns:p14="http://schemas.microsoft.com/office/powerpoint/2010/main" val="3332581986"/>
+      </p:ext>
+    </p:extLst>
+  </p:cSld>
+  <p:clrMapOvr>
+    <a:masterClrMapping/>
+  </p:clrMapOvr>
+</p:sld>
+</file>
+
+<file path=ppt/slides/slide7.xml><?xml version="1.0" encoding="utf-8"?>
+<p:sld xmlns:a="http://schemas.openxmlformats.org/drawingml/2006/main" xmlns:r="http://schemas.openxmlformats.org/officeDocument/2006/relationships" xmlns:p="http://schemas.openxmlformats.org/presentationml/2006/main">
+  <p:cSld>
+    <p:spTree>
+      <p:nvGrpSpPr>
+        <p:cNvPr id="1" name=""/>
+        <p:cNvGrpSpPr/>
+        <p:nvPr/>
+      </p:nvGrpSpPr>
+      <p:grpSpPr>
+        <a:xfrm>
+          <a:off x="0" y="0"/>
+          <a:ext cx="0" cy="0"/>
+          <a:chOff x="0" y="0"/>
+          <a:chExt cx="0" cy="0"/>
+        </a:xfrm>
+      </p:grpSpPr>
+      <p:sp>
+        <p:nvSpPr>
+          <p:cNvPr id="4" name="Foliennummernplatzhalter 3">
+            <a:extLst>
+              <a:ext uri="{FF2B5EF4-FFF2-40B4-BE49-F238E27FC236}">
+                <a16:creationId xmlns:a16="http://schemas.microsoft.com/office/drawing/2014/main" id="{630D442A-B60C-7DC4-F6A6-1B42FBB3A501}"/>
+              </a:ext>
+            </a:extLst>
+          </p:cNvPr>
+          <p:cNvSpPr>
+            <a:spLocks noGrp="1"/>
+          </p:cNvSpPr>
+          <p:nvPr>
+            <p:ph type="sldNum" sz="quarter" idx="12"/>
+          </p:nvPr>
+        </p:nvSpPr>
+        <p:spPr/>
+        <p:txBody>
+          <a:bodyPr/>
+          <a:lstStyle/>
+          <a:p>
+            <a:fld id="{4AB5FF89-F362-42AA-B568-9C43E57664DD}" type="slidenum">
+              <a:rPr lang="de-DE" smtClean="0"/>
+              <a:t>7</a:t>
             </a:fld>
             <a:endParaRPr lang="de-DE"/>
           </a:p>
@@ -6815,7 +6940,7 @@
 </p:sld>
 </file>
 
-<file path=ppt/slides/slide7.xml><?xml version="1.0" encoding="utf-8"?>
+<file path=ppt/slides/slide8.xml><?xml version="1.0" encoding="utf-8"?>
 <p:sld xmlns:a="http://schemas.openxmlformats.org/drawingml/2006/main" xmlns:r="http://schemas.openxmlformats.org/officeDocument/2006/relationships" xmlns:p="http://schemas.openxmlformats.org/presentationml/2006/main">
   <p:cSld>
     <p:bg>
@@ -7174,7 +7299,7 @@
                   <a:spcPts val="600"/>
                 </a:spcAft>
               </a:pPr>
-              <a:t>7</a:t>
+              <a:t>8</a:t>
             </a:fld>
             <a:endParaRPr lang="en-US">
               <a:solidFill>

--- a/doc/cinema-management-software.pptx
+++ b/doc/cinema-management-software.pptx
@@ -515,10 +515,7 @@
           <a:bodyPr/>
           <a:lstStyle/>
           <a:p>
-            <a:r>
-              <a:rPr lang="de-DE" dirty="0"/>
-              <a:t>Anfragen an Neo4j später zeigen im Code</a:t>
-            </a:r>
+            <a:endParaRPr lang="de-DE" dirty="0"/>
           </a:p>
         </p:txBody>
       </p:sp>
@@ -6827,41 +6824,12 @@
           <a:chExt cx="0" cy="0"/>
         </a:xfrm>
       </p:grpSpPr>
-      <p:sp>
-        <p:nvSpPr>
-          <p:cNvPr id="4" name="Foliennummernplatzhalter 3">
-            <a:extLst>
-              <a:ext uri="{FF2B5EF4-FFF2-40B4-BE49-F238E27FC236}">
-                <a16:creationId xmlns:a16="http://schemas.microsoft.com/office/drawing/2014/main" id="{630D442A-B60C-7DC4-F6A6-1B42FBB3A501}"/>
-              </a:ext>
-            </a:extLst>
-          </p:cNvPr>
-          <p:cNvSpPr>
-            <a:spLocks noGrp="1"/>
-          </p:cNvSpPr>
-          <p:nvPr>
-            <p:ph type="sldNum" sz="quarter" idx="12"/>
-          </p:nvPr>
-        </p:nvSpPr>
-        <p:spPr/>
-        <p:txBody>
-          <a:bodyPr/>
-          <a:lstStyle/>
-          <a:p>
-            <a:fld id="{4AB5FF89-F362-42AA-B568-9C43E57664DD}" type="slidenum">
-              <a:rPr lang="de-DE" smtClean="0"/>
-              <a:t>7</a:t>
-            </a:fld>
-            <a:endParaRPr lang="de-DE"/>
-          </a:p>
-        </p:txBody>
-      </p:sp>
       <p:pic>
         <p:nvPicPr>
-          <p:cNvPr id="7" name="Grafik 6" descr="Ein Bild, das Text, Diagramm, Kreis, Screenshot enthält.&#10;&#10;KI-generierte Inhalte können fehlerhaft sein.">
-            <a:extLst>
-              <a:ext uri="{FF2B5EF4-FFF2-40B4-BE49-F238E27FC236}">
-                <a16:creationId xmlns:a16="http://schemas.microsoft.com/office/drawing/2014/main" id="{8DF67D25-9966-9E63-3C85-DA7F7F8B4DDF}"/>
+          <p:cNvPr id="3" name="Grafik 2" descr="Ein Bild, das Text, Diagramm, Kreis, Reihe enthält.&#10;&#10;KI-generierte Inhalte können fehlerhaft sein.">
+            <a:extLst>
+              <a:ext uri="{FF2B5EF4-FFF2-40B4-BE49-F238E27FC236}">
+                <a16:creationId xmlns:a16="http://schemas.microsoft.com/office/drawing/2014/main" id="{4A9E148D-C5D6-7FE5-2075-6D2A0A098041}"/>
               </a:ext>
             </a:extLst>
           </p:cNvPr>
@@ -6884,14 +6852,43 @@
         </p:blipFill>
         <p:spPr>
           <a:xfrm>
-            <a:off x="838200" y="209550"/>
-            <a:ext cx="10468341" cy="6565365"/>
+            <a:off x="741405" y="75257"/>
+            <a:ext cx="10611370" cy="6646217"/>
           </a:xfrm>
           <a:prstGeom prst="rect">
             <a:avLst/>
           </a:prstGeom>
         </p:spPr>
       </p:pic>
+      <p:sp>
+        <p:nvSpPr>
+          <p:cNvPr id="4" name="Foliennummernplatzhalter 3">
+            <a:extLst>
+              <a:ext uri="{FF2B5EF4-FFF2-40B4-BE49-F238E27FC236}">
+                <a16:creationId xmlns:a16="http://schemas.microsoft.com/office/drawing/2014/main" id="{630D442A-B60C-7DC4-F6A6-1B42FBB3A501}"/>
+              </a:ext>
+            </a:extLst>
+          </p:cNvPr>
+          <p:cNvSpPr>
+            <a:spLocks noGrp="1"/>
+          </p:cNvSpPr>
+          <p:nvPr>
+            <p:ph type="sldNum" sz="quarter" idx="12"/>
+          </p:nvPr>
+        </p:nvSpPr>
+        <p:spPr/>
+        <p:txBody>
+          <a:bodyPr/>
+          <a:lstStyle/>
+          <a:p>
+            <a:fld id="{4AB5FF89-F362-42AA-B568-9C43E57664DD}" type="slidenum">
+              <a:rPr lang="de-DE" smtClean="0"/>
+              <a:t>7</a:t>
+            </a:fld>
+            <a:endParaRPr lang="de-DE"/>
+          </a:p>
+        </p:txBody>
+      </p:sp>
       <p:sp>
         <p:nvSpPr>
           <p:cNvPr id="5" name="Textfeld 4">

--- a/doc/cinema-management-software.pptx
+++ b/doc/cinema-management-software.pptx
@@ -5495,20 +5495,14 @@
           <a:p>
             <a:r>
               <a:rPr lang="de-DE" sz="1800" dirty="0"/>
-              <a:t>Beziehungen </a:t>
-            </a:r>
+              <a:t>Knotenbeziehung visualisieren</a:t>
+            </a:r>
+          </a:p>
+          <a:p>
             <a:r>
               <a:rPr lang="de-DE" sz="1800"/>
-              <a:t>zwischen Knoten</a:t>
-            </a:r>
-          </a:p>
-          <a:p>
-            <a:r>
-              <a:rPr lang="de-DE" sz="1800" dirty="0"/>
               <a:t>Live Demo</a:t>
             </a:r>
-          </a:p>
-          <a:p>
             <a:endParaRPr lang="de-DE" sz="1800" dirty="0"/>
           </a:p>
           <a:p>
